--- a/1_QUIZZES FROM LAST TOPICS.pptx
+++ b/1_QUIZZES FROM LAST TOPICS.pptx
@@ -110,11 +110,6 @@
       </a:defRPr>
     </a:lvl9pPr>
   </p:defaultTextStyle>
-  <p:extLst>
-    <p:ext uri="{EFAFB233-063F-42B5-8137-9DF3F51BA10A}">
-      <p15:sldGuideLst xmlns:p15="http://schemas.microsoft.com/office/powerpoint/2012/main"/>
-    </p:ext>
-  </p:extLst>
 </p:presentation>
 </file>
 
@@ -267,7 +262,7 @@
           <a:p>
             <a:fld id="{7D22641F-F142-432C-AC5D-741C52483A7F}" type="datetimeFigureOut">
               <a:rPr lang="th-TH" smtClean="0"/>
-              <a:t>09/10/64</a:t>
+              <a:t>25/09/64</a:t>
             </a:fld>
             <a:endParaRPr lang="th-TH"/>
           </a:p>
@@ -467,7 +462,7 @@
           <a:p>
             <a:fld id="{7D22641F-F142-432C-AC5D-741C52483A7F}" type="datetimeFigureOut">
               <a:rPr lang="th-TH" smtClean="0"/>
-              <a:t>09/10/64</a:t>
+              <a:t>25/09/64</a:t>
             </a:fld>
             <a:endParaRPr lang="th-TH"/>
           </a:p>
@@ -677,7 +672,7 @@
           <a:p>
             <a:fld id="{7D22641F-F142-432C-AC5D-741C52483A7F}" type="datetimeFigureOut">
               <a:rPr lang="th-TH" smtClean="0"/>
-              <a:t>09/10/64</a:t>
+              <a:t>25/09/64</a:t>
             </a:fld>
             <a:endParaRPr lang="th-TH"/>
           </a:p>
@@ -877,7 +872,7 @@
           <a:p>
             <a:fld id="{7D22641F-F142-432C-AC5D-741C52483A7F}" type="datetimeFigureOut">
               <a:rPr lang="th-TH" smtClean="0"/>
-              <a:t>09/10/64</a:t>
+              <a:t>25/09/64</a:t>
             </a:fld>
             <a:endParaRPr lang="th-TH"/>
           </a:p>
@@ -1153,7 +1148,7 @@
           <a:p>
             <a:fld id="{7D22641F-F142-432C-AC5D-741C52483A7F}" type="datetimeFigureOut">
               <a:rPr lang="th-TH" smtClean="0"/>
-              <a:t>09/10/64</a:t>
+              <a:t>25/09/64</a:t>
             </a:fld>
             <a:endParaRPr lang="th-TH"/>
           </a:p>
@@ -1421,7 +1416,7 @@
           <a:p>
             <a:fld id="{7D22641F-F142-432C-AC5D-741C52483A7F}" type="datetimeFigureOut">
               <a:rPr lang="th-TH" smtClean="0"/>
-              <a:t>09/10/64</a:t>
+              <a:t>25/09/64</a:t>
             </a:fld>
             <a:endParaRPr lang="th-TH"/>
           </a:p>
@@ -1836,7 +1831,7 @@
           <a:p>
             <a:fld id="{7D22641F-F142-432C-AC5D-741C52483A7F}" type="datetimeFigureOut">
               <a:rPr lang="th-TH" smtClean="0"/>
-              <a:t>09/10/64</a:t>
+              <a:t>25/09/64</a:t>
             </a:fld>
             <a:endParaRPr lang="th-TH"/>
           </a:p>
@@ -1978,7 +1973,7 @@
           <a:p>
             <a:fld id="{7D22641F-F142-432C-AC5D-741C52483A7F}" type="datetimeFigureOut">
               <a:rPr lang="th-TH" smtClean="0"/>
-              <a:t>09/10/64</a:t>
+              <a:t>25/09/64</a:t>
             </a:fld>
             <a:endParaRPr lang="th-TH"/>
           </a:p>
@@ -2091,7 +2086,7 @@
           <a:p>
             <a:fld id="{7D22641F-F142-432C-AC5D-741C52483A7F}" type="datetimeFigureOut">
               <a:rPr lang="th-TH" smtClean="0"/>
-              <a:t>09/10/64</a:t>
+              <a:t>25/09/64</a:t>
             </a:fld>
             <a:endParaRPr lang="th-TH"/>
           </a:p>
@@ -2404,7 +2399,7 @@
           <a:p>
             <a:fld id="{7D22641F-F142-432C-AC5D-741C52483A7F}" type="datetimeFigureOut">
               <a:rPr lang="th-TH" smtClean="0"/>
-              <a:t>09/10/64</a:t>
+              <a:t>25/09/64</a:t>
             </a:fld>
             <a:endParaRPr lang="th-TH"/>
           </a:p>
@@ -2693,7 +2688,7 @@
           <a:p>
             <a:fld id="{7D22641F-F142-432C-AC5D-741C52483A7F}" type="datetimeFigureOut">
               <a:rPr lang="th-TH" smtClean="0"/>
-              <a:t>09/10/64</a:t>
+              <a:t>25/09/64</a:t>
             </a:fld>
             <a:endParaRPr lang="th-TH"/>
           </a:p>
@@ -2936,7 +2931,7 @@
           <a:p>
             <a:fld id="{7D22641F-F142-432C-AC5D-741C52483A7F}" type="datetimeFigureOut">
               <a:rPr lang="th-TH" smtClean="0"/>
-              <a:t>09/10/64</a:t>
+              <a:t>25/09/64</a:t>
             </a:fld>
             <a:endParaRPr lang="th-TH"/>
           </a:p>
@@ -3531,8 +3526,8 @@
           </a:p>
         </p:txBody>
       </p:sp>
-      <mc:AlternateContent xmlns:mc="http://schemas.openxmlformats.org/markup-compatibility/2006" xmlns:a14="http://schemas.microsoft.com/office/drawing/2010/main">
-        <mc:Choice Requires="a14">
+      <mc:AlternateContent xmlns:mc="http://schemas.openxmlformats.org/markup-compatibility/2006">
+        <mc:Choice xmlns:a14="http://schemas.microsoft.com/office/drawing/2010/main" Requires="a14">
           <p:graphicFrame>
             <p:nvGraphicFramePr>
               <p:cNvPr id="4" name="Table 4">
@@ -4073,7 +4068,7 @@
             </a:graphic>
           </p:graphicFrame>
         </mc:Choice>
-        <mc:Fallback xmlns="">
+        <mc:Fallback>
           <p:graphicFrame>
             <p:nvGraphicFramePr>
               <p:cNvPr id="4" name="Table 4">
@@ -5230,8 +5225,8 @@
           <a:chExt cx="0" cy="0"/>
         </a:xfrm>
       </p:grpSpPr>
-      <mc:AlternateContent xmlns:mc="http://schemas.openxmlformats.org/markup-compatibility/2006" xmlns:a14="http://schemas.microsoft.com/office/drawing/2010/main">
-        <mc:Choice Requires="a14">
+      <mc:AlternateContent xmlns:mc="http://schemas.openxmlformats.org/markup-compatibility/2006">
+        <mc:Choice xmlns:a14="http://schemas.microsoft.com/office/drawing/2010/main" Requires="a14">
           <p:sp>
             <p:nvSpPr>
               <p:cNvPr id="5" name="TextBox 4">
@@ -5260,7 +5255,6 @@
               </a:bodyPr>
               <a:lstStyle/>
               <a:p>
-                <a:pPr/>
                 <a14:m>
                   <m:oMathPara xmlns:m="http://schemas.openxmlformats.org/officeDocument/2006/math">
                     <m:oMathParaPr>
@@ -5398,7 +5392,7 @@
             </p:txBody>
           </p:sp>
         </mc:Choice>
-        <mc:Fallback xmlns="">
+        <mc:Fallback>
           <p:sp>
             <p:nvSpPr>
               <p:cNvPr id="5" name="TextBox 4">
